--- a/Window_Game/API계획서.pptx
+++ b/Window_Game/API계획서.pptx
@@ -8,7 +8,8 @@
     <p:sldId id="256" r:id="rId2"/>
     <p:sldId id="258" r:id="rId3"/>
     <p:sldId id="257" r:id="rId4"/>
-    <p:sldId id="259" r:id="rId5"/>
+    <p:sldId id="260" r:id="rId5"/>
+    <p:sldId id="259" r:id="rId6"/>
   </p:sldIdLst>
   <p:sldSz cx="12192000" cy="6858000"/>
   <p:notesSz cx="6858000" cy="9144000"/>
@@ -107,6 +108,11 @@
       </a:defRPr>
     </a:lvl9pPr>
   </p:defaultTextStyle>
+  <p:extLst>
+    <p:ext uri="{EFAFB233-063F-42B5-8137-9DF3F51BA10A}">
+      <p15:sldGuideLst xmlns:p15="http://schemas.microsoft.com/office/powerpoint/2012/main"/>
+    </p:ext>
+  </p:extLst>
 </p:presentation>
 </file>
 
@@ -5370,7 +5376,10 @@
               <a:rPr lang="ko-KR" altLang="en-US" dirty="0"/>
               <a:t>알고리즘에 레퍼런스로 전달</a:t>
             </a:r>
-            <a:endParaRPr lang="en-US" altLang="ko-KR" dirty="0"/>
+            <a:r>
+              <a:rPr lang="en-US" altLang="ko-KR" dirty="0"/>
+              <a:t>?</a:t>
+            </a:r>
           </a:p>
           <a:p>
             <a:r>
@@ -5551,6 +5560,122 @@
           <a:chExt cx="0" cy="0"/>
         </a:xfrm>
       </p:grpSpPr>
+      <p:pic>
+        <p:nvPicPr>
+          <p:cNvPr id="5" name="그림 4">
+            <a:extLst>
+              <a:ext uri="{FF2B5EF4-FFF2-40B4-BE49-F238E27FC236}">
+                <a16:creationId xmlns:a16="http://schemas.microsoft.com/office/drawing/2014/main" id="{B54CF061-9E75-A8A6-8F58-81E4D608555A}"/>
+              </a:ext>
+            </a:extLst>
+          </p:cNvPr>
+          <p:cNvPicPr>
+            <a:picLocks noChangeAspect="1"/>
+          </p:cNvPicPr>
+          <p:nvPr/>
+        </p:nvPicPr>
+        <p:blipFill>
+          <a:blip r:embed="rId2"/>
+          <a:stretch>
+            <a:fillRect/>
+          </a:stretch>
+        </p:blipFill>
+        <p:spPr>
+          <a:xfrm>
+            <a:off x="489392" y="343880"/>
+            <a:ext cx="6077798" cy="4563112"/>
+          </a:xfrm>
+          <a:prstGeom prst="rect">
+            <a:avLst/>
+          </a:prstGeom>
+        </p:spPr>
+      </p:pic>
+      <p:sp>
+        <p:nvSpPr>
+          <p:cNvPr id="6" name="TextBox 5">
+            <a:extLst>
+              <a:ext uri="{FF2B5EF4-FFF2-40B4-BE49-F238E27FC236}">
+                <a16:creationId xmlns:a16="http://schemas.microsoft.com/office/drawing/2014/main" id="{3971BD8E-B8FF-649B-221E-42B6D36123A5}"/>
+              </a:ext>
+            </a:extLst>
+          </p:cNvPr>
+          <p:cNvSpPr txBox="1"/>
+          <p:nvPr/>
+        </p:nvSpPr>
+        <p:spPr>
+          <a:xfrm>
+            <a:off x="7130473" y="812800"/>
+            <a:ext cx="3435927" cy="1477328"/>
+          </a:xfrm>
+          <a:prstGeom prst="rect">
+            <a:avLst/>
+          </a:prstGeom>
+          <a:noFill/>
+        </p:spPr>
+        <p:txBody>
+          <a:bodyPr wrap="square" rtlCol="0">
+            <a:spAutoFit/>
+          </a:bodyPr>
+          <a:lstStyle/>
+          <a:p>
+            <a:r>
+              <a:rPr lang="ko-KR" altLang="en-US" dirty="0"/>
+              <a:t>맵 구현 성공하면</a:t>
+            </a:r>
+            <a:endParaRPr lang="en-US" altLang="ko-KR" dirty="0"/>
+          </a:p>
+          <a:p>
+            <a:endParaRPr lang="en-US" altLang="ko-KR" dirty="0"/>
+          </a:p>
+          <a:p>
+            <a:r>
+              <a:rPr lang="ko-KR" altLang="en-US" dirty="0" err="1"/>
+              <a:t>턴제</a:t>
+            </a:r>
+            <a:r>
+              <a:rPr lang="ko-KR" altLang="en-US" dirty="0"/>
+              <a:t> 로직 구현</a:t>
+            </a:r>
+            <a:endParaRPr lang="en-US" altLang="ko-KR" dirty="0"/>
+          </a:p>
+          <a:p>
+            <a:endParaRPr lang="en-US" altLang="ko-KR" dirty="0"/>
+          </a:p>
+          <a:p>
+            <a:endParaRPr lang="ko-KR" altLang="en-US"/>
+          </a:p>
+        </p:txBody>
+      </p:sp>
+    </p:spTree>
+    <p:extLst>
+      <p:ext uri="{BB962C8B-B14F-4D97-AF65-F5344CB8AC3E}">
+        <p14:creationId xmlns:p14="http://schemas.microsoft.com/office/powerpoint/2010/main" val="3752853116"/>
+      </p:ext>
+    </p:extLst>
+  </p:cSld>
+  <p:clrMapOvr>
+    <a:masterClrMapping/>
+  </p:clrMapOvr>
+</p:sld>
+</file>
+
+<file path=ppt/slides/slide5.xml><?xml version="1.0" encoding="utf-8"?>
+<p:sld xmlns:a="http://schemas.openxmlformats.org/drawingml/2006/main" xmlns:r="http://schemas.openxmlformats.org/officeDocument/2006/relationships" xmlns:p="http://schemas.openxmlformats.org/presentationml/2006/main">
+  <p:cSld>
+    <p:spTree>
+      <p:nvGrpSpPr>
+        <p:cNvPr id="1" name=""/>
+        <p:cNvGrpSpPr/>
+        <p:nvPr/>
+      </p:nvGrpSpPr>
+      <p:grpSpPr>
+        <a:xfrm>
+          <a:off x="0" y="0"/>
+          <a:ext cx="0" cy="0"/>
+          <a:chOff x="0" y="0"/>
+          <a:chExt cx="0" cy="0"/>
+        </a:xfrm>
+      </p:grpSpPr>
       <p:sp>
         <p:nvSpPr>
           <p:cNvPr id="2" name="제목 1">
@@ -5567,7 +5692,12 @@
             <p:ph type="title"/>
           </p:nvPr>
         </p:nvSpPr>
-        <p:spPr/>
+        <p:spPr>
+          <a:xfrm>
+            <a:off x="127089" y="44873"/>
+            <a:ext cx="10515600" cy="1325563"/>
+          </a:xfrm>
+        </p:spPr>
         <p:txBody>
           <a:bodyPr/>
           <a:lstStyle/>
@@ -5588,6 +5718,150 @@
           </a:p>
         </p:txBody>
       </p:sp>
+      <p:pic>
+        <p:nvPicPr>
+          <p:cNvPr id="4" name="그림 3" descr="스크린샷, 그린, 지도이(가) 표시된 사진&#10;&#10;자동 생성된 설명">
+            <a:extLst>
+              <a:ext uri="{FF2B5EF4-FFF2-40B4-BE49-F238E27FC236}">
+                <a16:creationId xmlns:a16="http://schemas.microsoft.com/office/drawing/2014/main" id="{23698F2F-C44C-5620-40FF-AEFE2CDC668E}"/>
+              </a:ext>
+            </a:extLst>
+          </p:cNvPr>
+          <p:cNvPicPr>
+            <a:picLocks noChangeAspect="1"/>
+          </p:cNvPicPr>
+          <p:nvPr/>
+        </p:nvPicPr>
+        <p:blipFill>
+          <a:blip r:embed="rId2">
+            <a:extLst>
+              <a:ext uri="{28A0092B-C50C-407E-A947-70E740481C1C}">
+                <a14:useLocalDpi xmlns:a14="http://schemas.microsoft.com/office/drawing/2010/main" val="0"/>
+              </a:ext>
+            </a:extLst>
+          </a:blip>
+          <a:stretch>
+            <a:fillRect/>
+          </a:stretch>
+        </p:blipFill>
+        <p:spPr>
+          <a:xfrm>
+            <a:off x="-100825" y="1022651"/>
+            <a:ext cx="5485714" cy="5790476"/>
+          </a:xfrm>
+          <a:prstGeom prst="rect">
+            <a:avLst/>
+          </a:prstGeom>
+        </p:spPr>
+      </p:pic>
+      <p:pic>
+        <p:nvPicPr>
+          <p:cNvPr id="6" name="그림 5">
+            <a:extLst>
+              <a:ext uri="{FF2B5EF4-FFF2-40B4-BE49-F238E27FC236}">
+                <a16:creationId xmlns:a16="http://schemas.microsoft.com/office/drawing/2014/main" id="{3DB891C5-4940-7B1B-FBD7-B0E4FE5A2520}"/>
+              </a:ext>
+            </a:extLst>
+          </p:cNvPr>
+          <p:cNvPicPr>
+            <a:picLocks noChangeAspect="1"/>
+          </p:cNvPicPr>
+          <p:nvPr/>
+        </p:nvPicPr>
+        <p:blipFill>
+          <a:blip r:embed="rId3">
+            <a:extLst>
+              <a:ext uri="{28A0092B-C50C-407E-A947-70E740481C1C}">
+                <a14:useLocalDpi xmlns:a14="http://schemas.microsoft.com/office/drawing/2010/main" val="0"/>
+              </a:ext>
+            </a:extLst>
+          </a:blip>
+          <a:stretch>
+            <a:fillRect/>
+          </a:stretch>
+        </p:blipFill>
+        <p:spPr>
+          <a:xfrm>
+            <a:off x="7871679" y="4163018"/>
+            <a:ext cx="1269841" cy="266667"/>
+          </a:xfrm>
+          <a:prstGeom prst="rect">
+            <a:avLst/>
+          </a:prstGeom>
+        </p:spPr>
+      </p:pic>
+      <p:pic>
+        <p:nvPicPr>
+          <p:cNvPr id="8" name="그림 7" descr="댄스, 예술이(가) 표시된 사진&#10;&#10;자동 생성된 설명">
+            <a:extLst>
+              <a:ext uri="{FF2B5EF4-FFF2-40B4-BE49-F238E27FC236}">
+                <a16:creationId xmlns:a16="http://schemas.microsoft.com/office/drawing/2014/main" id="{2F129597-9B0D-37E4-4119-645B5FA8AAFE}"/>
+              </a:ext>
+            </a:extLst>
+          </p:cNvPr>
+          <p:cNvPicPr>
+            <a:picLocks noChangeAspect="1"/>
+          </p:cNvPicPr>
+          <p:nvPr/>
+        </p:nvPicPr>
+        <p:blipFill>
+          <a:blip r:embed="rId4">
+            <a:extLst>
+              <a:ext uri="{28A0092B-C50C-407E-A947-70E740481C1C}">
+                <a14:useLocalDpi xmlns:a14="http://schemas.microsoft.com/office/drawing/2010/main" val="0"/>
+              </a:ext>
+            </a:extLst>
+          </a:blip>
+          <a:stretch>
+            <a:fillRect/>
+          </a:stretch>
+        </p:blipFill>
+        <p:spPr>
+          <a:xfrm>
+            <a:off x="6095999" y="4678422"/>
+            <a:ext cx="3657143" cy="977778"/>
+          </a:xfrm>
+          <a:prstGeom prst="rect">
+            <a:avLst/>
+          </a:prstGeom>
+        </p:spPr>
+      </p:pic>
+      <p:pic>
+        <p:nvPicPr>
+          <p:cNvPr id="10" name="그림 9">
+            <a:extLst>
+              <a:ext uri="{FF2B5EF4-FFF2-40B4-BE49-F238E27FC236}">
+                <a16:creationId xmlns:a16="http://schemas.microsoft.com/office/drawing/2014/main" id="{BA256BC6-5B91-3593-3829-6B0E3EA59127}"/>
+              </a:ext>
+            </a:extLst>
+          </p:cNvPr>
+          <p:cNvPicPr>
+            <a:picLocks noChangeAspect="1"/>
+          </p:cNvPicPr>
+          <p:nvPr/>
+        </p:nvPicPr>
+        <p:blipFill>
+          <a:blip r:embed="rId5">
+            <a:extLst>
+              <a:ext uri="{28A0092B-C50C-407E-A947-70E740481C1C}">
+                <a14:useLocalDpi xmlns:a14="http://schemas.microsoft.com/office/drawing/2010/main" val="0"/>
+              </a:ext>
+            </a:extLst>
+          </a:blip>
+          <a:stretch>
+            <a:fillRect/>
+          </a:stretch>
+        </p:blipFill>
+        <p:spPr>
+          <a:xfrm>
+            <a:off x="6463205" y="4163018"/>
+            <a:ext cx="965079" cy="177778"/>
+          </a:xfrm>
+          <a:prstGeom prst="rect">
+            <a:avLst/>
+          </a:prstGeom>
+        </p:spPr>
+      </p:pic>
     </p:spTree>
     <p:extLst>
       <p:ext uri="{BB962C8B-B14F-4D97-AF65-F5344CB8AC3E}">
